--- a/ppt 16-9/0313.主话是明灯.pptx
+++ b/ppt 16-9/0313.主话是明灯.pptx
@@ -129,7 +129,7 @@
           <p:cNvPr id="2" name="标题 1">
             <a:extLst>
               <a:ext uri="{FF2B5EF4-FFF2-40B4-BE49-F238E27FC236}">
-                <a16:creationId xmlns:a16="http://schemas.microsoft.com/office/drawing/2014/main" id="{2F822EF0-784A-4B12-76CE-7CD1AC74C946}"/>
+                <a16:creationId xmlns:a16="http://schemas.microsoft.com/office/drawing/2014/main" id="{051576C3-1648-1B1E-B0C5-CBF001FE2D7C}"/>
               </a:ext>
             </a:extLst>
           </p:cNvPr>
@@ -166,7 +166,7 @@
           <p:cNvPr id="3" name="副标题 2">
             <a:extLst>
               <a:ext uri="{FF2B5EF4-FFF2-40B4-BE49-F238E27FC236}">
-                <a16:creationId xmlns:a16="http://schemas.microsoft.com/office/drawing/2014/main" id="{E5D62E45-ACE4-82F0-6BD7-8F2D9DA84A74}"/>
+                <a16:creationId xmlns:a16="http://schemas.microsoft.com/office/drawing/2014/main" id="{72195465-C367-AA25-BE9A-1DB992343FEC}"/>
               </a:ext>
             </a:extLst>
           </p:cNvPr>
@@ -236,7 +236,7 @@
           <p:cNvPr id="4" name="日期占位符 3">
             <a:extLst>
               <a:ext uri="{FF2B5EF4-FFF2-40B4-BE49-F238E27FC236}">
-                <a16:creationId xmlns:a16="http://schemas.microsoft.com/office/drawing/2014/main" id="{E2A488B1-06E4-64B1-04BF-0ECF1D611FDC}"/>
+                <a16:creationId xmlns:a16="http://schemas.microsoft.com/office/drawing/2014/main" id="{DCE6D8C3-B70C-5A9E-1218-7B686D3C2730}"/>
               </a:ext>
             </a:extLst>
           </p:cNvPr>
@@ -252,7 +252,7 @@
           <a:bodyPr/>
           <a:lstStyle/>
           <a:p>
-            <a:fld id="{B25C42F9-774E-454E-8E2B-901805AEB6E8}" type="datetimeFigureOut">
+            <a:fld id="{DD138EAF-F5CB-4642-8432-8D3A4FABDC3A}" type="datetimeFigureOut">
               <a:rPr lang="zh-CN" altLang="en-US" smtClean="0"/>
               <a:t>2024/3/10</a:t>
             </a:fld>
@@ -265,7 +265,7 @@
           <p:cNvPr id="5" name="页脚占位符 4">
             <a:extLst>
               <a:ext uri="{FF2B5EF4-FFF2-40B4-BE49-F238E27FC236}">
-                <a16:creationId xmlns:a16="http://schemas.microsoft.com/office/drawing/2014/main" id="{BE0B092F-4D3D-5FCC-976A-AC4DA4FADB0D}"/>
+                <a16:creationId xmlns:a16="http://schemas.microsoft.com/office/drawing/2014/main" id="{A2ADBF14-230D-F047-2D0D-AC1A16F3847E}"/>
               </a:ext>
             </a:extLst>
           </p:cNvPr>
@@ -290,7 +290,7 @@
           <p:cNvPr id="6" name="灯片编号占位符 5">
             <a:extLst>
               <a:ext uri="{FF2B5EF4-FFF2-40B4-BE49-F238E27FC236}">
-                <a16:creationId xmlns:a16="http://schemas.microsoft.com/office/drawing/2014/main" id="{4100C7F6-FC7F-D5DB-4DDE-EE3292A2DCAE}"/>
+                <a16:creationId xmlns:a16="http://schemas.microsoft.com/office/drawing/2014/main" id="{C06E07AA-E0F3-2F3B-C738-1855D8EC016E}"/>
               </a:ext>
             </a:extLst>
           </p:cNvPr>
@@ -306,7 +306,7 @@
           <a:bodyPr/>
           <a:lstStyle/>
           <a:p>
-            <a:fld id="{8C5627C7-C7AB-43BC-9FAB-5DD0C928E15C}" type="slidenum">
+            <a:fld id="{1005EB57-9738-498E-9113-3B3177AFF4E2}" type="slidenum">
               <a:rPr lang="zh-CN" altLang="en-US" smtClean="0"/>
               <a:t>‹#›</a:t>
             </a:fld>
@@ -317,7 +317,7 @@
     </p:spTree>
     <p:extLst>
       <p:ext uri="{BB962C8B-B14F-4D97-AF65-F5344CB8AC3E}">
-        <p14:creationId xmlns:p14="http://schemas.microsoft.com/office/powerpoint/2010/main" val="3332529171"/>
+        <p14:creationId xmlns:p14="http://schemas.microsoft.com/office/powerpoint/2010/main" val="1024720967"/>
       </p:ext>
     </p:extLst>
   </p:cSld>
@@ -349,7 +349,7 @@
           <p:cNvPr id="2" name="标题 1">
             <a:extLst>
               <a:ext uri="{FF2B5EF4-FFF2-40B4-BE49-F238E27FC236}">
-                <a16:creationId xmlns:a16="http://schemas.microsoft.com/office/drawing/2014/main" id="{74235841-E8AD-0C91-859A-CA42AFF2E34D}"/>
+                <a16:creationId xmlns:a16="http://schemas.microsoft.com/office/drawing/2014/main" id="{A4B86D48-91D3-5DD4-7931-E516B976EB71}"/>
               </a:ext>
             </a:extLst>
           </p:cNvPr>
@@ -377,7 +377,7 @@
           <p:cNvPr id="3" name="竖排文字占位符 2">
             <a:extLst>
               <a:ext uri="{FF2B5EF4-FFF2-40B4-BE49-F238E27FC236}">
-                <a16:creationId xmlns:a16="http://schemas.microsoft.com/office/drawing/2014/main" id="{24551DED-E2BB-395F-92FD-09AC129C2B3C}"/>
+                <a16:creationId xmlns:a16="http://schemas.microsoft.com/office/drawing/2014/main" id="{B0EA0BF9-1940-5B34-8921-D5C461E5163F}"/>
               </a:ext>
             </a:extLst>
           </p:cNvPr>
@@ -434,7 +434,7 @@
           <p:cNvPr id="4" name="日期占位符 3">
             <a:extLst>
               <a:ext uri="{FF2B5EF4-FFF2-40B4-BE49-F238E27FC236}">
-                <a16:creationId xmlns:a16="http://schemas.microsoft.com/office/drawing/2014/main" id="{257F775C-EA6D-4A2B-6185-F11E590C69AA}"/>
+                <a16:creationId xmlns:a16="http://schemas.microsoft.com/office/drawing/2014/main" id="{A93E11D0-8EB4-4B71-ECAD-2DE712BBE5D4}"/>
               </a:ext>
             </a:extLst>
           </p:cNvPr>
@@ -450,7 +450,7 @@
           <a:bodyPr/>
           <a:lstStyle/>
           <a:p>
-            <a:fld id="{B25C42F9-774E-454E-8E2B-901805AEB6E8}" type="datetimeFigureOut">
+            <a:fld id="{DD138EAF-F5CB-4642-8432-8D3A4FABDC3A}" type="datetimeFigureOut">
               <a:rPr lang="zh-CN" altLang="en-US" smtClean="0"/>
               <a:t>2024/3/10</a:t>
             </a:fld>
@@ -463,7 +463,7 @@
           <p:cNvPr id="5" name="页脚占位符 4">
             <a:extLst>
               <a:ext uri="{FF2B5EF4-FFF2-40B4-BE49-F238E27FC236}">
-                <a16:creationId xmlns:a16="http://schemas.microsoft.com/office/drawing/2014/main" id="{B2CC6FD0-CCA7-6868-CF35-2F4FD69DAE40}"/>
+                <a16:creationId xmlns:a16="http://schemas.microsoft.com/office/drawing/2014/main" id="{6E75FB78-4446-FCE2-B0EE-66FCCF0694E9}"/>
               </a:ext>
             </a:extLst>
           </p:cNvPr>
@@ -488,7 +488,7 @@
           <p:cNvPr id="6" name="灯片编号占位符 5">
             <a:extLst>
               <a:ext uri="{FF2B5EF4-FFF2-40B4-BE49-F238E27FC236}">
-                <a16:creationId xmlns:a16="http://schemas.microsoft.com/office/drawing/2014/main" id="{544CBDBA-F788-4F0C-5787-EF38CE1BB41D}"/>
+                <a16:creationId xmlns:a16="http://schemas.microsoft.com/office/drawing/2014/main" id="{84FD749C-B667-F672-2E6F-57F5122AF0BA}"/>
               </a:ext>
             </a:extLst>
           </p:cNvPr>
@@ -504,7 +504,7 @@
           <a:bodyPr/>
           <a:lstStyle/>
           <a:p>
-            <a:fld id="{8C5627C7-C7AB-43BC-9FAB-5DD0C928E15C}" type="slidenum">
+            <a:fld id="{1005EB57-9738-498E-9113-3B3177AFF4E2}" type="slidenum">
               <a:rPr lang="zh-CN" altLang="en-US" smtClean="0"/>
               <a:t>‹#›</a:t>
             </a:fld>
@@ -515,7 +515,7 @@
     </p:spTree>
     <p:extLst>
       <p:ext uri="{BB962C8B-B14F-4D97-AF65-F5344CB8AC3E}">
-        <p14:creationId xmlns:p14="http://schemas.microsoft.com/office/powerpoint/2010/main" val="2360913889"/>
+        <p14:creationId xmlns:p14="http://schemas.microsoft.com/office/powerpoint/2010/main" val="3701719815"/>
       </p:ext>
     </p:extLst>
   </p:cSld>
@@ -547,7 +547,7 @@
           <p:cNvPr id="2" name="竖排标题 1">
             <a:extLst>
               <a:ext uri="{FF2B5EF4-FFF2-40B4-BE49-F238E27FC236}">
-                <a16:creationId xmlns:a16="http://schemas.microsoft.com/office/drawing/2014/main" id="{196B48C8-C047-E59C-3607-5DA925DD8DF2}"/>
+                <a16:creationId xmlns:a16="http://schemas.microsoft.com/office/drawing/2014/main" id="{3CAACBB2-6142-DAB0-3E7B-AECC5CAC8E52}"/>
               </a:ext>
             </a:extLst>
           </p:cNvPr>
@@ -580,7 +580,7 @@
           <p:cNvPr id="3" name="竖排文字占位符 2">
             <a:extLst>
               <a:ext uri="{FF2B5EF4-FFF2-40B4-BE49-F238E27FC236}">
-                <a16:creationId xmlns:a16="http://schemas.microsoft.com/office/drawing/2014/main" id="{A6A0A388-2948-9AAF-EC0B-823C23113966}"/>
+                <a16:creationId xmlns:a16="http://schemas.microsoft.com/office/drawing/2014/main" id="{20B7BEF3-A769-1BD1-7D52-4CA2C896461A}"/>
               </a:ext>
             </a:extLst>
           </p:cNvPr>
@@ -642,7 +642,7 @@
           <p:cNvPr id="4" name="日期占位符 3">
             <a:extLst>
               <a:ext uri="{FF2B5EF4-FFF2-40B4-BE49-F238E27FC236}">
-                <a16:creationId xmlns:a16="http://schemas.microsoft.com/office/drawing/2014/main" id="{4CB504E3-6DD8-D943-FBB9-F3CE131DFFAE}"/>
+                <a16:creationId xmlns:a16="http://schemas.microsoft.com/office/drawing/2014/main" id="{F882F697-8CBC-EA51-D435-B77637B38B6A}"/>
               </a:ext>
             </a:extLst>
           </p:cNvPr>
@@ -658,7 +658,7 @@
           <a:bodyPr/>
           <a:lstStyle/>
           <a:p>
-            <a:fld id="{B25C42F9-774E-454E-8E2B-901805AEB6E8}" type="datetimeFigureOut">
+            <a:fld id="{DD138EAF-F5CB-4642-8432-8D3A4FABDC3A}" type="datetimeFigureOut">
               <a:rPr lang="zh-CN" altLang="en-US" smtClean="0"/>
               <a:t>2024/3/10</a:t>
             </a:fld>
@@ -671,7 +671,7 @@
           <p:cNvPr id="5" name="页脚占位符 4">
             <a:extLst>
               <a:ext uri="{FF2B5EF4-FFF2-40B4-BE49-F238E27FC236}">
-                <a16:creationId xmlns:a16="http://schemas.microsoft.com/office/drawing/2014/main" id="{799673C5-C82E-C2C7-F6FB-98CB42497B2F}"/>
+                <a16:creationId xmlns:a16="http://schemas.microsoft.com/office/drawing/2014/main" id="{0A18BD86-1876-7A44-960C-445C760C455C}"/>
               </a:ext>
             </a:extLst>
           </p:cNvPr>
@@ -696,7 +696,7 @@
           <p:cNvPr id="6" name="灯片编号占位符 5">
             <a:extLst>
               <a:ext uri="{FF2B5EF4-FFF2-40B4-BE49-F238E27FC236}">
-                <a16:creationId xmlns:a16="http://schemas.microsoft.com/office/drawing/2014/main" id="{940643FB-A83A-3D17-D702-BC0C51E5C8CB}"/>
+                <a16:creationId xmlns:a16="http://schemas.microsoft.com/office/drawing/2014/main" id="{DC0BAFF6-7F55-CFD1-595B-8F119B96B141}"/>
               </a:ext>
             </a:extLst>
           </p:cNvPr>
@@ -712,7 +712,7 @@
           <a:bodyPr/>
           <a:lstStyle/>
           <a:p>
-            <a:fld id="{8C5627C7-C7AB-43BC-9FAB-5DD0C928E15C}" type="slidenum">
+            <a:fld id="{1005EB57-9738-498E-9113-3B3177AFF4E2}" type="slidenum">
               <a:rPr lang="zh-CN" altLang="en-US" smtClean="0"/>
               <a:t>‹#›</a:t>
             </a:fld>
@@ -723,7 +723,7 @@
     </p:spTree>
     <p:extLst>
       <p:ext uri="{BB962C8B-B14F-4D97-AF65-F5344CB8AC3E}">
-        <p14:creationId xmlns:p14="http://schemas.microsoft.com/office/powerpoint/2010/main" val="3291423305"/>
+        <p14:creationId xmlns:p14="http://schemas.microsoft.com/office/powerpoint/2010/main" val="1727424921"/>
       </p:ext>
     </p:extLst>
   </p:cSld>
@@ -755,7 +755,7 @@
           <p:cNvPr id="2" name="标题 1">
             <a:extLst>
               <a:ext uri="{FF2B5EF4-FFF2-40B4-BE49-F238E27FC236}">
-                <a16:creationId xmlns:a16="http://schemas.microsoft.com/office/drawing/2014/main" id="{30C118EB-D9E3-79FF-CE33-7A2F2E8BD65D}"/>
+                <a16:creationId xmlns:a16="http://schemas.microsoft.com/office/drawing/2014/main" id="{9922B85E-A073-A459-13D7-A2EF43008D14}"/>
               </a:ext>
             </a:extLst>
           </p:cNvPr>
@@ -783,7 +783,7 @@
           <p:cNvPr id="3" name="内容占位符 2">
             <a:extLst>
               <a:ext uri="{FF2B5EF4-FFF2-40B4-BE49-F238E27FC236}">
-                <a16:creationId xmlns:a16="http://schemas.microsoft.com/office/drawing/2014/main" id="{6424BE5A-A7AF-F92C-2251-5A02CFB47316}"/>
+                <a16:creationId xmlns:a16="http://schemas.microsoft.com/office/drawing/2014/main" id="{48BC247A-2FC1-8EDC-AD25-2FA3C2CC5DF5}"/>
               </a:ext>
             </a:extLst>
           </p:cNvPr>
@@ -840,7 +840,7 @@
           <p:cNvPr id="4" name="日期占位符 3">
             <a:extLst>
               <a:ext uri="{FF2B5EF4-FFF2-40B4-BE49-F238E27FC236}">
-                <a16:creationId xmlns:a16="http://schemas.microsoft.com/office/drawing/2014/main" id="{11AFF938-84B3-61D4-8873-115C76858231}"/>
+                <a16:creationId xmlns:a16="http://schemas.microsoft.com/office/drawing/2014/main" id="{9A999FC1-1C04-3431-0524-408D70AD8CC1}"/>
               </a:ext>
             </a:extLst>
           </p:cNvPr>
@@ -856,7 +856,7 @@
           <a:bodyPr/>
           <a:lstStyle/>
           <a:p>
-            <a:fld id="{B25C42F9-774E-454E-8E2B-901805AEB6E8}" type="datetimeFigureOut">
+            <a:fld id="{DD138EAF-F5CB-4642-8432-8D3A4FABDC3A}" type="datetimeFigureOut">
               <a:rPr lang="zh-CN" altLang="en-US" smtClean="0"/>
               <a:t>2024/3/10</a:t>
             </a:fld>
@@ -869,7 +869,7 @@
           <p:cNvPr id="5" name="页脚占位符 4">
             <a:extLst>
               <a:ext uri="{FF2B5EF4-FFF2-40B4-BE49-F238E27FC236}">
-                <a16:creationId xmlns:a16="http://schemas.microsoft.com/office/drawing/2014/main" id="{52E04071-273A-E907-3F5A-707211EB8936}"/>
+                <a16:creationId xmlns:a16="http://schemas.microsoft.com/office/drawing/2014/main" id="{0C9AB334-0A60-86F5-A29A-38DCE839DEEE}"/>
               </a:ext>
             </a:extLst>
           </p:cNvPr>
@@ -894,7 +894,7 @@
           <p:cNvPr id="6" name="灯片编号占位符 5">
             <a:extLst>
               <a:ext uri="{FF2B5EF4-FFF2-40B4-BE49-F238E27FC236}">
-                <a16:creationId xmlns:a16="http://schemas.microsoft.com/office/drawing/2014/main" id="{723D7188-ED4B-E56F-993A-77A1A0C6F648}"/>
+                <a16:creationId xmlns:a16="http://schemas.microsoft.com/office/drawing/2014/main" id="{AB0D21BB-8605-4C77-A5E2-7CFC0A3813DE}"/>
               </a:ext>
             </a:extLst>
           </p:cNvPr>
@@ -910,7 +910,7 @@
           <a:bodyPr/>
           <a:lstStyle/>
           <a:p>
-            <a:fld id="{8C5627C7-C7AB-43BC-9FAB-5DD0C928E15C}" type="slidenum">
+            <a:fld id="{1005EB57-9738-498E-9113-3B3177AFF4E2}" type="slidenum">
               <a:rPr lang="zh-CN" altLang="en-US" smtClean="0"/>
               <a:t>‹#›</a:t>
             </a:fld>
@@ -921,7 +921,7 @@
     </p:spTree>
     <p:extLst>
       <p:ext uri="{BB962C8B-B14F-4D97-AF65-F5344CB8AC3E}">
-        <p14:creationId xmlns:p14="http://schemas.microsoft.com/office/powerpoint/2010/main" val="175223452"/>
+        <p14:creationId xmlns:p14="http://schemas.microsoft.com/office/powerpoint/2010/main" val="3748599211"/>
       </p:ext>
     </p:extLst>
   </p:cSld>
@@ -953,7 +953,7 @@
           <p:cNvPr id="2" name="标题 1">
             <a:extLst>
               <a:ext uri="{FF2B5EF4-FFF2-40B4-BE49-F238E27FC236}">
-                <a16:creationId xmlns:a16="http://schemas.microsoft.com/office/drawing/2014/main" id="{2399CA0C-E5AC-64FF-0115-C0B86019EAA1}"/>
+                <a16:creationId xmlns:a16="http://schemas.microsoft.com/office/drawing/2014/main" id="{281AA209-31CA-6BBA-787C-2EF6393829FA}"/>
               </a:ext>
             </a:extLst>
           </p:cNvPr>
@@ -990,7 +990,7 @@
           <p:cNvPr id="3" name="文本占位符 2">
             <a:extLst>
               <a:ext uri="{FF2B5EF4-FFF2-40B4-BE49-F238E27FC236}">
-                <a16:creationId xmlns:a16="http://schemas.microsoft.com/office/drawing/2014/main" id="{7ADB4EEF-FBD0-8615-EF78-3E575959A417}"/>
+                <a16:creationId xmlns:a16="http://schemas.microsoft.com/office/drawing/2014/main" id="{7D8D5876-E125-5DAC-BB16-387456AA949F}"/>
               </a:ext>
             </a:extLst>
           </p:cNvPr>
@@ -1115,7 +1115,7 @@
           <p:cNvPr id="4" name="日期占位符 3">
             <a:extLst>
               <a:ext uri="{FF2B5EF4-FFF2-40B4-BE49-F238E27FC236}">
-                <a16:creationId xmlns:a16="http://schemas.microsoft.com/office/drawing/2014/main" id="{50357FDD-7F94-396A-EE48-54079723C56F}"/>
+                <a16:creationId xmlns:a16="http://schemas.microsoft.com/office/drawing/2014/main" id="{15FB09CE-4C76-6016-A25A-116EF11C55AA}"/>
               </a:ext>
             </a:extLst>
           </p:cNvPr>
@@ -1131,7 +1131,7 @@
           <a:bodyPr/>
           <a:lstStyle/>
           <a:p>
-            <a:fld id="{B25C42F9-774E-454E-8E2B-901805AEB6E8}" type="datetimeFigureOut">
+            <a:fld id="{DD138EAF-F5CB-4642-8432-8D3A4FABDC3A}" type="datetimeFigureOut">
               <a:rPr lang="zh-CN" altLang="en-US" smtClean="0"/>
               <a:t>2024/3/10</a:t>
             </a:fld>
@@ -1144,7 +1144,7 @@
           <p:cNvPr id="5" name="页脚占位符 4">
             <a:extLst>
               <a:ext uri="{FF2B5EF4-FFF2-40B4-BE49-F238E27FC236}">
-                <a16:creationId xmlns:a16="http://schemas.microsoft.com/office/drawing/2014/main" id="{27F44918-41F6-B70C-5F3E-B1348AFBFCD4}"/>
+                <a16:creationId xmlns:a16="http://schemas.microsoft.com/office/drawing/2014/main" id="{188A6D52-4C81-B8B4-5085-AC745256DC16}"/>
               </a:ext>
             </a:extLst>
           </p:cNvPr>
@@ -1169,7 +1169,7 @@
           <p:cNvPr id="6" name="灯片编号占位符 5">
             <a:extLst>
               <a:ext uri="{FF2B5EF4-FFF2-40B4-BE49-F238E27FC236}">
-                <a16:creationId xmlns:a16="http://schemas.microsoft.com/office/drawing/2014/main" id="{CB7DB240-E924-2B54-7136-0024C54E1847}"/>
+                <a16:creationId xmlns:a16="http://schemas.microsoft.com/office/drawing/2014/main" id="{496BA4AF-C1C3-2380-7F01-ED1CFE34399E}"/>
               </a:ext>
             </a:extLst>
           </p:cNvPr>
@@ -1185,7 +1185,7 @@
           <a:bodyPr/>
           <a:lstStyle/>
           <a:p>
-            <a:fld id="{8C5627C7-C7AB-43BC-9FAB-5DD0C928E15C}" type="slidenum">
+            <a:fld id="{1005EB57-9738-498E-9113-3B3177AFF4E2}" type="slidenum">
               <a:rPr lang="zh-CN" altLang="en-US" smtClean="0"/>
               <a:t>‹#›</a:t>
             </a:fld>
@@ -1196,7 +1196,7 @@
     </p:spTree>
     <p:extLst>
       <p:ext uri="{BB962C8B-B14F-4D97-AF65-F5344CB8AC3E}">
-        <p14:creationId xmlns:p14="http://schemas.microsoft.com/office/powerpoint/2010/main" val="2974725243"/>
+        <p14:creationId xmlns:p14="http://schemas.microsoft.com/office/powerpoint/2010/main" val="1404191635"/>
       </p:ext>
     </p:extLst>
   </p:cSld>
@@ -1228,7 +1228,7 @@
           <p:cNvPr id="2" name="标题 1">
             <a:extLst>
               <a:ext uri="{FF2B5EF4-FFF2-40B4-BE49-F238E27FC236}">
-                <a16:creationId xmlns:a16="http://schemas.microsoft.com/office/drawing/2014/main" id="{390BC5B7-2B4C-7F11-B1D9-D71B10F72759}"/>
+                <a16:creationId xmlns:a16="http://schemas.microsoft.com/office/drawing/2014/main" id="{D499C712-2204-4802-C773-35DE5237956B}"/>
               </a:ext>
             </a:extLst>
           </p:cNvPr>
@@ -1256,7 +1256,7 @@
           <p:cNvPr id="3" name="内容占位符 2">
             <a:extLst>
               <a:ext uri="{FF2B5EF4-FFF2-40B4-BE49-F238E27FC236}">
-                <a16:creationId xmlns:a16="http://schemas.microsoft.com/office/drawing/2014/main" id="{E6F70429-B9AD-D4C0-8C39-C91C8043A65B}"/>
+                <a16:creationId xmlns:a16="http://schemas.microsoft.com/office/drawing/2014/main" id="{C838D9CC-E694-5E53-6B48-0878DA430BCD}"/>
               </a:ext>
             </a:extLst>
           </p:cNvPr>
@@ -1318,7 +1318,7 @@
           <p:cNvPr id="4" name="内容占位符 3">
             <a:extLst>
               <a:ext uri="{FF2B5EF4-FFF2-40B4-BE49-F238E27FC236}">
-                <a16:creationId xmlns:a16="http://schemas.microsoft.com/office/drawing/2014/main" id="{F2905565-8B39-BB72-B3AE-8644FD51D581}"/>
+                <a16:creationId xmlns:a16="http://schemas.microsoft.com/office/drawing/2014/main" id="{35F93A90-FDF1-EB46-72F9-1106C4596415}"/>
               </a:ext>
             </a:extLst>
           </p:cNvPr>
@@ -1380,7 +1380,7 @@
           <p:cNvPr id="5" name="日期占位符 4">
             <a:extLst>
               <a:ext uri="{FF2B5EF4-FFF2-40B4-BE49-F238E27FC236}">
-                <a16:creationId xmlns:a16="http://schemas.microsoft.com/office/drawing/2014/main" id="{68E984D3-7E46-CF62-FE24-DE47C42014DB}"/>
+                <a16:creationId xmlns:a16="http://schemas.microsoft.com/office/drawing/2014/main" id="{3D98B48E-A199-97E2-AA39-68F5FF552ACE}"/>
               </a:ext>
             </a:extLst>
           </p:cNvPr>
@@ -1396,7 +1396,7 @@
           <a:bodyPr/>
           <a:lstStyle/>
           <a:p>
-            <a:fld id="{B25C42F9-774E-454E-8E2B-901805AEB6E8}" type="datetimeFigureOut">
+            <a:fld id="{DD138EAF-F5CB-4642-8432-8D3A4FABDC3A}" type="datetimeFigureOut">
               <a:rPr lang="zh-CN" altLang="en-US" smtClean="0"/>
               <a:t>2024/3/10</a:t>
             </a:fld>
@@ -1409,7 +1409,7 @@
           <p:cNvPr id="6" name="页脚占位符 5">
             <a:extLst>
               <a:ext uri="{FF2B5EF4-FFF2-40B4-BE49-F238E27FC236}">
-                <a16:creationId xmlns:a16="http://schemas.microsoft.com/office/drawing/2014/main" id="{3920199D-81F9-4AF6-52D2-E1AAA4DF8AF3}"/>
+                <a16:creationId xmlns:a16="http://schemas.microsoft.com/office/drawing/2014/main" id="{6104B53E-50BD-6C3E-8A88-E12164510B1C}"/>
               </a:ext>
             </a:extLst>
           </p:cNvPr>
@@ -1434,7 +1434,7 @@
           <p:cNvPr id="7" name="灯片编号占位符 6">
             <a:extLst>
               <a:ext uri="{FF2B5EF4-FFF2-40B4-BE49-F238E27FC236}">
-                <a16:creationId xmlns:a16="http://schemas.microsoft.com/office/drawing/2014/main" id="{3DDA2371-7AB9-B764-EB86-7604EF352BFC}"/>
+                <a16:creationId xmlns:a16="http://schemas.microsoft.com/office/drawing/2014/main" id="{2F6B0C93-D2D1-06C1-7B2C-33DABC8F544E}"/>
               </a:ext>
             </a:extLst>
           </p:cNvPr>
@@ -1450,7 +1450,7 @@
           <a:bodyPr/>
           <a:lstStyle/>
           <a:p>
-            <a:fld id="{8C5627C7-C7AB-43BC-9FAB-5DD0C928E15C}" type="slidenum">
+            <a:fld id="{1005EB57-9738-498E-9113-3B3177AFF4E2}" type="slidenum">
               <a:rPr lang="zh-CN" altLang="en-US" smtClean="0"/>
               <a:t>‹#›</a:t>
             </a:fld>
@@ -1461,7 +1461,7 @@
     </p:spTree>
     <p:extLst>
       <p:ext uri="{BB962C8B-B14F-4D97-AF65-F5344CB8AC3E}">
-        <p14:creationId xmlns:p14="http://schemas.microsoft.com/office/powerpoint/2010/main" val="3000233944"/>
+        <p14:creationId xmlns:p14="http://schemas.microsoft.com/office/powerpoint/2010/main" val="2907461110"/>
       </p:ext>
     </p:extLst>
   </p:cSld>
@@ -1493,7 +1493,7 @@
           <p:cNvPr id="2" name="标题 1">
             <a:extLst>
               <a:ext uri="{FF2B5EF4-FFF2-40B4-BE49-F238E27FC236}">
-                <a16:creationId xmlns:a16="http://schemas.microsoft.com/office/drawing/2014/main" id="{94F16B97-5C2D-3450-5967-80C38E227B74}"/>
+                <a16:creationId xmlns:a16="http://schemas.microsoft.com/office/drawing/2014/main" id="{BF7B3ED2-7820-3A76-476A-BEF28458BBE8}"/>
               </a:ext>
             </a:extLst>
           </p:cNvPr>
@@ -1526,7 +1526,7 @@
           <p:cNvPr id="3" name="文本占位符 2">
             <a:extLst>
               <a:ext uri="{FF2B5EF4-FFF2-40B4-BE49-F238E27FC236}">
-                <a16:creationId xmlns:a16="http://schemas.microsoft.com/office/drawing/2014/main" id="{2BCBBB0E-A77F-CD69-2581-D64A2A01FB4E}"/>
+                <a16:creationId xmlns:a16="http://schemas.microsoft.com/office/drawing/2014/main" id="{F8EC3E43-35A1-27DE-F126-831D6080A259}"/>
               </a:ext>
             </a:extLst>
           </p:cNvPr>
@@ -1597,7 +1597,7 @@
           <p:cNvPr id="4" name="内容占位符 3">
             <a:extLst>
               <a:ext uri="{FF2B5EF4-FFF2-40B4-BE49-F238E27FC236}">
-                <a16:creationId xmlns:a16="http://schemas.microsoft.com/office/drawing/2014/main" id="{643C7937-0398-B167-66A4-7E2773E8D56D}"/>
+                <a16:creationId xmlns:a16="http://schemas.microsoft.com/office/drawing/2014/main" id="{772A5ACB-01C4-F857-0298-C08E152F0FE6}"/>
               </a:ext>
             </a:extLst>
           </p:cNvPr>
@@ -1659,7 +1659,7 @@
           <p:cNvPr id="5" name="文本占位符 4">
             <a:extLst>
               <a:ext uri="{FF2B5EF4-FFF2-40B4-BE49-F238E27FC236}">
-                <a16:creationId xmlns:a16="http://schemas.microsoft.com/office/drawing/2014/main" id="{7AC014A7-6231-3045-E8E0-C8EC3DF54AE7}"/>
+                <a16:creationId xmlns:a16="http://schemas.microsoft.com/office/drawing/2014/main" id="{A340E3A4-EE87-C9AF-96E4-E653FF3F493A}"/>
               </a:ext>
             </a:extLst>
           </p:cNvPr>
@@ -1730,7 +1730,7 @@
           <p:cNvPr id="6" name="内容占位符 5">
             <a:extLst>
               <a:ext uri="{FF2B5EF4-FFF2-40B4-BE49-F238E27FC236}">
-                <a16:creationId xmlns:a16="http://schemas.microsoft.com/office/drawing/2014/main" id="{96CF9873-73B5-BAA4-1CDD-53632FF0D5E9}"/>
+                <a16:creationId xmlns:a16="http://schemas.microsoft.com/office/drawing/2014/main" id="{64E63609-7FE0-CD66-87F9-2E98E5DE9E7F}"/>
               </a:ext>
             </a:extLst>
           </p:cNvPr>
@@ -1792,7 +1792,7 @@
           <p:cNvPr id="7" name="日期占位符 6">
             <a:extLst>
               <a:ext uri="{FF2B5EF4-FFF2-40B4-BE49-F238E27FC236}">
-                <a16:creationId xmlns:a16="http://schemas.microsoft.com/office/drawing/2014/main" id="{BB20F68D-659C-B7FF-88B3-F1B08A2D0293}"/>
+                <a16:creationId xmlns:a16="http://schemas.microsoft.com/office/drawing/2014/main" id="{B88EC51F-BD5C-CDCE-5CD0-43492892DD77}"/>
               </a:ext>
             </a:extLst>
           </p:cNvPr>
@@ -1808,7 +1808,7 @@
           <a:bodyPr/>
           <a:lstStyle/>
           <a:p>
-            <a:fld id="{B25C42F9-774E-454E-8E2B-901805AEB6E8}" type="datetimeFigureOut">
+            <a:fld id="{DD138EAF-F5CB-4642-8432-8D3A4FABDC3A}" type="datetimeFigureOut">
               <a:rPr lang="zh-CN" altLang="en-US" smtClean="0"/>
               <a:t>2024/3/10</a:t>
             </a:fld>
@@ -1821,7 +1821,7 @@
           <p:cNvPr id="8" name="页脚占位符 7">
             <a:extLst>
               <a:ext uri="{FF2B5EF4-FFF2-40B4-BE49-F238E27FC236}">
-                <a16:creationId xmlns:a16="http://schemas.microsoft.com/office/drawing/2014/main" id="{A0C68A1B-9D6A-271F-3B39-E62A87EB4123}"/>
+                <a16:creationId xmlns:a16="http://schemas.microsoft.com/office/drawing/2014/main" id="{B4938B87-7076-0DFE-BF25-3D4273945F9E}"/>
               </a:ext>
             </a:extLst>
           </p:cNvPr>
@@ -1846,7 +1846,7 @@
           <p:cNvPr id="9" name="灯片编号占位符 8">
             <a:extLst>
               <a:ext uri="{FF2B5EF4-FFF2-40B4-BE49-F238E27FC236}">
-                <a16:creationId xmlns:a16="http://schemas.microsoft.com/office/drawing/2014/main" id="{70C4DA21-57C6-8DBC-1226-7F85FD5B1A86}"/>
+                <a16:creationId xmlns:a16="http://schemas.microsoft.com/office/drawing/2014/main" id="{87CA2191-E397-DD19-7D32-E145919A8F41}"/>
               </a:ext>
             </a:extLst>
           </p:cNvPr>
@@ -1862,7 +1862,7 @@
           <a:bodyPr/>
           <a:lstStyle/>
           <a:p>
-            <a:fld id="{8C5627C7-C7AB-43BC-9FAB-5DD0C928E15C}" type="slidenum">
+            <a:fld id="{1005EB57-9738-498E-9113-3B3177AFF4E2}" type="slidenum">
               <a:rPr lang="zh-CN" altLang="en-US" smtClean="0"/>
               <a:t>‹#›</a:t>
             </a:fld>
@@ -1873,7 +1873,7 @@
     </p:spTree>
     <p:extLst>
       <p:ext uri="{BB962C8B-B14F-4D97-AF65-F5344CB8AC3E}">
-        <p14:creationId xmlns:p14="http://schemas.microsoft.com/office/powerpoint/2010/main" val="1496958816"/>
+        <p14:creationId xmlns:p14="http://schemas.microsoft.com/office/powerpoint/2010/main" val="3949758208"/>
       </p:ext>
     </p:extLst>
   </p:cSld>
@@ -1905,7 +1905,7 @@
           <p:cNvPr id="2" name="标题 1">
             <a:extLst>
               <a:ext uri="{FF2B5EF4-FFF2-40B4-BE49-F238E27FC236}">
-                <a16:creationId xmlns:a16="http://schemas.microsoft.com/office/drawing/2014/main" id="{59AF1C9A-E2D2-CA64-828D-FE3A7586B0FB}"/>
+                <a16:creationId xmlns:a16="http://schemas.microsoft.com/office/drawing/2014/main" id="{3E1681FA-457F-FDC4-2CBA-933B15236811}"/>
               </a:ext>
             </a:extLst>
           </p:cNvPr>
@@ -1933,7 +1933,7 @@
           <p:cNvPr id="3" name="日期占位符 2">
             <a:extLst>
               <a:ext uri="{FF2B5EF4-FFF2-40B4-BE49-F238E27FC236}">
-                <a16:creationId xmlns:a16="http://schemas.microsoft.com/office/drawing/2014/main" id="{95E57CAF-7D7F-5DB9-4FFD-D259CD9CCB81}"/>
+                <a16:creationId xmlns:a16="http://schemas.microsoft.com/office/drawing/2014/main" id="{A8851341-8275-4972-33CC-B5AF0CE86052}"/>
               </a:ext>
             </a:extLst>
           </p:cNvPr>
@@ -1949,7 +1949,7 @@
           <a:bodyPr/>
           <a:lstStyle/>
           <a:p>
-            <a:fld id="{B25C42F9-774E-454E-8E2B-901805AEB6E8}" type="datetimeFigureOut">
+            <a:fld id="{DD138EAF-F5CB-4642-8432-8D3A4FABDC3A}" type="datetimeFigureOut">
               <a:rPr lang="zh-CN" altLang="en-US" smtClean="0"/>
               <a:t>2024/3/10</a:t>
             </a:fld>
@@ -1962,7 +1962,7 @@
           <p:cNvPr id="4" name="页脚占位符 3">
             <a:extLst>
               <a:ext uri="{FF2B5EF4-FFF2-40B4-BE49-F238E27FC236}">
-                <a16:creationId xmlns:a16="http://schemas.microsoft.com/office/drawing/2014/main" id="{195753DC-D589-5800-5D39-E8BD2924EA07}"/>
+                <a16:creationId xmlns:a16="http://schemas.microsoft.com/office/drawing/2014/main" id="{D15FAD4C-D3C4-22B0-325B-E4B13DB9D649}"/>
               </a:ext>
             </a:extLst>
           </p:cNvPr>
@@ -1987,7 +1987,7 @@
           <p:cNvPr id="5" name="灯片编号占位符 4">
             <a:extLst>
               <a:ext uri="{FF2B5EF4-FFF2-40B4-BE49-F238E27FC236}">
-                <a16:creationId xmlns:a16="http://schemas.microsoft.com/office/drawing/2014/main" id="{4EE131FF-9208-B770-C3E4-033F511A78C2}"/>
+                <a16:creationId xmlns:a16="http://schemas.microsoft.com/office/drawing/2014/main" id="{5E633989-B129-131C-71F2-9A60E5806A8F}"/>
               </a:ext>
             </a:extLst>
           </p:cNvPr>
@@ -2003,7 +2003,7 @@
           <a:bodyPr/>
           <a:lstStyle/>
           <a:p>
-            <a:fld id="{8C5627C7-C7AB-43BC-9FAB-5DD0C928E15C}" type="slidenum">
+            <a:fld id="{1005EB57-9738-498E-9113-3B3177AFF4E2}" type="slidenum">
               <a:rPr lang="zh-CN" altLang="en-US" smtClean="0"/>
               <a:t>‹#›</a:t>
             </a:fld>
@@ -2014,7 +2014,7 @@
     </p:spTree>
     <p:extLst>
       <p:ext uri="{BB962C8B-B14F-4D97-AF65-F5344CB8AC3E}">
-        <p14:creationId xmlns:p14="http://schemas.microsoft.com/office/powerpoint/2010/main" val="3028897611"/>
+        <p14:creationId xmlns:p14="http://schemas.microsoft.com/office/powerpoint/2010/main" val="348727421"/>
       </p:ext>
     </p:extLst>
   </p:cSld>
@@ -2046,7 +2046,7 @@
           <p:cNvPr id="2" name="日期占位符 1">
             <a:extLst>
               <a:ext uri="{FF2B5EF4-FFF2-40B4-BE49-F238E27FC236}">
-                <a16:creationId xmlns:a16="http://schemas.microsoft.com/office/drawing/2014/main" id="{1029B1E3-AACE-AFBB-7A9F-41F7119C1450}"/>
+                <a16:creationId xmlns:a16="http://schemas.microsoft.com/office/drawing/2014/main" id="{CBC66894-D8B2-A530-652C-141E4F40368B}"/>
               </a:ext>
             </a:extLst>
           </p:cNvPr>
@@ -2062,7 +2062,7 @@
           <a:bodyPr/>
           <a:lstStyle/>
           <a:p>
-            <a:fld id="{B25C42F9-774E-454E-8E2B-901805AEB6E8}" type="datetimeFigureOut">
+            <a:fld id="{DD138EAF-F5CB-4642-8432-8D3A4FABDC3A}" type="datetimeFigureOut">
               <a:rPr lang="zh-CN" altLang="en-US" smtClean="0"/>
               <a:t>2024/3/10</a:t>
             </a:fld>
@@ -2075,7 +2075,7 @@
           <p:cNvPr id="3" name="页脚占位符 2">
             <a:extLst>
               <a:ext uri="{FF2B5EF4-FFF2-40B4-BE49-F238E27FC236}">
-                <a16:creationId xmlns:a16="http://schemas.microsoft.com/office/drawing/2014/main" id="{C8977F93-3867-A47F-F17E-70E2866110AC}"/>
+                <a16:creationId xmlns:a16="http://schemas.microsoft.com/office/drawing/2014/main" id="{D514A19C-5D05-C6AF-65F8-36E307F0A4DA}"/>
               </a:ext>
             </a:extLst>
           </p:cNvPr>
@@ -2100,7 +2100,7 @@
           <p:cNvPr id="4" name="灯片编号占位符 3">
             <a:extLst>
               <a:ext uri="{FF2B5EF4-FFF2-40B4-BE49-F238E27FC236}">
-                <a16:creationId xmlns:a16="http://schemas.microsoft.com/office/drawing/2014/main" id="{6322FFAD-FB10-0CF0-D8FB-AB1A4C7A1ED7}"/>
+                <a16:creationId xmlns:a16="http://schemas.microsoft.com/office/drawing/2014/main" id="{E605EF3F-F5E4-735C-D4BD-B78A90C50599}"/>
               </a:ext>
             </a:extLst>
           </p:cNvPr>
@@ -2116,7 +2116,7 @@
           <a:bodyPr/>
           <a:lstStyle/>
           <a:p>
-            <a:fld id="{8C5627C7-C7AB-43BC-9FAB-5DD0C928E15C}" type="slidenum">
+            <a:fld id="{1005EB57-9738-498E-9113-3B3177AFF4E2}" type="slidenum">
               <a:rPr lang="zh-CN" altLang="en-US" smtClean="0"/>
               <a:t>‹#›</a:t>
             </a:fld>
@@ -2127,7 +2127,7 @@
     </p:spTree>
     <p:extLst>
       <p:ext uri="{BB962C8B-B14F-4D97-AF65-F5344CB8AC3E}">
-        <p14:creationId xmlns:p14="http://schemas.microsoft.com/office/powerpoint/2010/main" val="2489762582"/>
+        <p14:creationId xmlns:p14="http://schemas.microsoft.com/office/powerpoint/2010/main" val="372229693"/>
       </p:ext>
     </p:extLst>
   </p:cSld>
@@ -2159,7 +2159,7 @@
           <p:cNvPr id="2" name="标题 1">
             <a:extLst>
               <a:ext uri="{FF2B5EF4-FFF2-40B4-BE49-F238E27FC236}">
-                <a16:creationId xmlns:a16="http://schemas.microsoft.com/office/drawing/2014/main" id="{C53FEF75-3CF0-9C86-2A25-3FD167374421}"/>
+                <a16:creationId xmlns:a16="http://schemas.microsoft.com/office/drawing/2014/main" id="{7B535266-F597-0CFD-4F4A-82F5015A8EA9}"/>
               </a:ext>
             </a:extLst>
           </p:cNvPr>
@@ -2196,7 +2196,7 @@
           <p:cNvPr id="3" name="内容占位符 2">
             <a:extLst>
               <a:ext uri="{FF2B5EF4-FFF2-40B4-BE49-F238E27FC236}">
-                <a16:creationId xmlns:a16="http://schemas.microsoft.com/office/drawing/2014/main" id="{EEBFB9F9-3806-B58D-8091-67273EED8E6E}"/>
+                <a16:creationId xmlns:a16="http://schemas.microsoft.com/office/drawing/2014/main" id="{FC56E4B7-43BC-1AD9-FDF7-972C62207759}"/>
               </a:ext>
             </a:extLst>
           </p:cNvPr>
@@ -2286,7 +2286,7 @@
           <p:cNvPr id="4" name="文本占位符 3">
             <a:extLst>
               <a:ext uri="{FF2B5EF4-FFF2-40B4-BE49-F238E27FC236}">
-                <a16:creationId xmlns:a16="http://schemas.microsoft.com/office/drawing/2014/main" id="{D06C071E-30DA-287D-3472-3AF383CEF692}"/>
+                <a16:creationId xmlns:a16="http://schemas.microsoft.com/office/drawing/2014/main" id="{1FAD9065-AF61-E6BF-EDD9-EEB1F170FB6F}"/>
               </a:ext>
             </a:extLst>
           </p:cNvPr>
@@ -2357,7 +2357,7 @@
           <p:cNvPr id="5" name="日期占位符 4">
             <a:extLst>
               <a:ext uri="{FF2B5EF4-FFF2-40B4-BE49-F238E27FC236}">
-                <a16:creationId xmlns:a16="http://schemas.microsoft.com/office/drawing/2014/main" id="{03BF358B-8F76-9A59-E905-D605FE4FBD22}"/>
+                <a16:creationId xmlns:a16="http://schemas.microsoft.com/office/drawing/2014/main" id="{769B6762-4EB0-A148-95DF-D2DB56A496B1}"/>
               </a:ext>
             </a:extLst>
           </p:cNvPr>
@@ -2373,7 +2373,7 @@
           <a:bodyPr/>
           <a:lstStyle/>
           <a:p>
-            <a:fld id="{B25C42F9-774E-454E-8E2B-901805AEB6E8}" type="datetimeFigureOut">
+            <a:fld id="{DD138EAF-F5CB-4642-8432-8D3A4FABDC3A}" type="datetimeFigureOut">
               <a:rPr lang="zh-CN" altLang="en-US" smtClean="0"/>
               <a:t>2024/3/10</a:t>
             </a:fld>
@@ -2386,7 +2386,7 @@
           <p:cNvPr id="6" name="页脚占位符 5">
             <a:extLst>
               <a:ext uri="{FF2B5EF4-FFF2-40B4-BE49-F238E27FC236}">
-                <a16:creationId xmlns:a16="http://schemas.microsoft.com/office/drawing/2014/main" id="{06528815-691A-5464-99DB-A375E0D6AFD6}"/>
+                <a16:creationId xmlns:a16="http://schemas.microsoft.com/office/drawing/2014/main" id="{AB2E5202-9F12-09E2-E83E-B1F1B32645FE}"/>
               </a:ext>
             </a:extLst>
           </p:cNvPr>
@@ -2411,7 +2411,7 @@
           <p:cNvPr id="7" name="灯片编号占位符 6">
             <a:extLst>
               <a:ext uri="{FF2B5EF4-FFF2-40B4-BE49-F238E27FC236}">
-                <a16:creationId xmlns:a16="http://schemas.microsoft.com/office/drawing/2014/main" id="{C28112FD-FA56-5298-4229-34475C255750}"/>
+                <a16:creationId xmlns:a16="http://schemas.microsoft.com/office/drawing/2014/main" id="{F051A8E7-0232-B550-C459-76992728D0A7}"/>
               </a:ext>
             </a:extLst>
           </p:cNvPr>
@@ -2427,7 +2427,7 @@
           <a:bodyPr/>
           <a:lstStyle/>
           <a:p>
-            <a:fld id="{8C5627C7-C7AB-43BC-9FAB-5DD0C928E15C}" type="slidenum">
+            <a:fld id="{1005EB57-9738-498E-9113-3B3177AFF4E2}" type="slidenum">
               <a:rPr lang="zh-CN" altLang="en-US" smtClean="0"/>
               <a:t>‹#›</a:t>
             </a:fld>
@@ -2438,7 +2438,7 @@
     </p:spTree>
     <p:extLst>
       <p:ext uri="{BB962C8B-B14F-4D97-AF65-F5344CB8AC3E}">
-        <p14:creationId xmlns:p14="http://schemas.microsoft.com/office/powerpoint/2010/main" val="2719921775"/>
+        <p14:creationId xmlns:p14="http://schemas.microsoft.com/office/powerpoint/2010/main" val="3279513378"/>
       </p:ext>
     </p:extLst>
   </p:cSld>
@@ -2470,7 +2470,7 @@
           <p:cNvPr id="2" name="标题 1">
             <a:extLst>
               <a:ext uri="{FF2B5EF4-FFF2-40B4-BE49-F238E27FC236}">
-                <a16:creationId xmlns:a16="http://schemas.microsoft.com/office/drawing/2014/main" id="{6C892496-73A4-F2BD-E33C-5CC1148AECC9}"/>
+                <a16:creationId xmlns:a16="http://schemas.microsoft.com/office/drawing/2014/main" id="{0657967B-47BB-C874-B804-65D8E7D28C8C}"/>
               </a:ext>
             </a:extLst>
           </p:cNvPr>
@@ -2507,7 +2507,7 @@
           <p:cNvPr id="3" name="图片占位符 2">
             <a:extLst>
               <a:ext uri="{FF2B5EF4-FFF2-40B4-BE49-F238E27FC236}">
-                <a16:creationId xmlns:a16="http://schemas.microsoft.com/office/drawing/2014/main" id="{25B8E9F6-A743-EA42-D0BF-962C602FC105}"/>
+                <a16:creationId xmlns:a16="http://schemas.microsoft.com/office/drawing/2014/main" id="{204B7D77-A908-6FA9-086C-154181210474}"/>
               </a:ext>
             </a:extLst>
           </p:cNvPr>
@@ -2574,7 +2574,7 @@
           <p:cNvPr id="4" name="文本占位符 3">
             <a:extLst>
               <a:ext uri="{FF2B5EF4-FFF2-40B4-BE49-F238E27FC236}">
-                <a16:creationId xmlns:a16="http://schemas.microsoft.com/office/drawing/2014/main" id="{1FF4C492-7934-1F82-E3AF-1B1818256D3B}"/>
+                <a16:creationId xmlns:a16="http://schemas.microsoft.com/office/drawing/2014/main" id="{FB2A08D2-A60B-1B64-55E3-0CA2DC2FD00D}"/>
               </a:ext>
             </a:extLst>
           </p:cNvPr>
@@ -2645,7 +2645,7 @@
           <p:cNvPr id="5" name="日期占位符 4">
             <a:extLst>
               <a:ext uri="{FF2B5EF4-FFF2-40B4-BE49-F238E27FC236}">
-                <a16:creationId xmlns:a16="http://schemas.microsoft.com/office/drawing/2014/main" id="{CF35E7EA-EF6C-945D-48B5-F145EA559561}"/>
+                <a16:creationId xmlns:a16="http://schemas.microsoft.com/office/drawing/2014/main" id="{03488A19-EBF8-1E9E-053E-A5E18D70C5F0}"/>
               </a:ext>
             </a:extLst>
           </p:cNvPr>
@@ -2661,7 +2661,7 @@
           <a:bodyPr/>
           <a:lstStyle/>
           <a:p>
-            <a:fld id="{B25C42F9-774E-454E-8E2B-901805AEB6E8}" type="datetimeFigureOut">
+            <a:fld id="{DD138EAF-F5CB-4642-8432-8D3A4FABDC3A}" type="datetimeFigureOut">
               <a:rPr lang="zh-CN" altLang="en-US" smtClean="0"/>
               <a:t>2024/3/10</a:t>
             </a:fld>
@@ -2674,7 +2674,7 @@
           <p:cNvPr id="6" name="页脚占位符 5">
             <a:extLst>
               <a:ext uri="{FF2B5EF4-FFF2-40B4-BE49-F238E27FC236}">
-                <a16:creationId xmlns:a16="http://schemas.microsoft.com/office/drawing/2014/main" id="{83844971-AB32-2A95-49CD-BA48B97ACB8B}"/>
+                <a16:creationId xmlns:a16="http://schemas.microsoft.com/office/drawing/2014/main" id="{F5E13942-F8EE-79FE-CAF6-8A70B344E36A}"/>
               </a:ext>
             </a:extLst>
           </p:cNvPr>
@@ -2699,7 +2699,7 @@
           <p:cNvPr id="7" name="灯片编号占位符 6">
             <a:extLst>
               <a:ext uri="{FF2B5EF4-FFF2-40B4-BE49-F238E27FC236}">
-                <a16:creationId xmlns:a16="http://schemas.microsoft.com/office/drawing/2014/main" id="{E3845661-BF26-53F6-ED32-2DCAB9D1164C}"/>
+                <a16:creationId xmlns:a16="http://schemas.microsoft.com/office/drawing/2014/main" id="{C7AE98BD-C6A0-C560-9DFE-4EBB5CBDA648}"/>
               </a:ext>
             </a:extLst>
           </p:cNvPr>
@@ -2715,7 +2715,7 @@
           <a:bodyPr/>
           <a:lstStyle/>
           <a:p>
-            <a:fld id="{8C5627C7-C7AB-43BC-9FAB-5DD0C928E15C}" type="slidenum">
+            <a:fld id="{1005EB57-9738-498E-9113-3B3177AFF4E2}" type="slidenum">
               <a:rPr lang="zh-CN" altLang="en-US" smtClean="0"/>
               <a:t>‹#›</a:t>
             </a:fld>
@@ -2726,7 +2726,7 @@
     </p:spTree>
     <p:extLst>
       <p:ext uri="{BB962C8B-B14F-4D97-AF65-F5344CB8AC3E}">
-        <p14:creationId xmlns:p14="http://schemas.microsoft.com/office/powerpoint/2010/main" val="256046713"/>
+        <p14:creationId xmlns:p14="http://schemas.microsoft.com/office/powerpoint/2010/main" val="4188245447"/>
       </p:ext>
     </p:extLst>
   </p:cSld>
@@ -2763,7 +2763,7 @@
           <p:cNvPr id="2" name="标题占位符 1">
             <a:extLst>
               <a:ext uri="{FF2B5EF4-FFF2-40B4-BE49-F238E27FC236}">
-                <a16:creationId xmlns:a16="http://schemas.microsoft.com/office/drawing/2014/main" id="{BF4BC37A-7AB6-475A-604E-8C3A00BFDDC9}"/>
+                <a16:creationId xmlns:a16="http://schemas.microsoft.com/office/drawing/2014/main" id="{9E7E1228-3CBA-154D-1386-9B813D5E9101}"/>
               </a:ext>
             </a:extLst>
           </p:cNvPr>
@@ -2801,7 +2801,7 @@
           <p:cNvPr id="3" name="文本占位符 2">
             <a:extLst>
               <a:ext uri="{FF2B5EF4-FFF2-40B4-BE49-F238E27FC236}">
-                <a16:creationId xmlns:a16="http://schemas.microsoft.com/office/drawing/2014/main" id="{69D9F68B-EC87-84AE-9463-D41E968CE62C}"/>
+                <a16:creationId xmlns:a16="http://schemas.microsoft.com/office/drawing/2014/main" id="{5A3EBF4C-2E4C-1C92-4F7A-76D5C6487D09}"/>
               </a:ext>
             </a:extLst>
           </p:cNvPr>
@@ -2868,7 +2868,7 @@
           <p:cNvPr id="4" name="日期占位符 3">
             <a:extLst>
               <a:ext uri="{FF2B5EF4-FFF2-40B4-BE49-F238E27FC236}">
-                <a16:creationId xmlns:a16="http://schemas.microsoft.com/office/drawing/2014/main" id="{ADB4CF03-0E97-42A7-A5F8-6649152DF19E}"/>
+                <a16:creationId xmlns:a16="http://schemas.microsoft.com/office/drawing/2014/main" id="{CCA00F98-2EE5-9455-5895-A54A8674FD79}"/>
               </a:ext>
             </a:extLst>
           </p:cNvPr>
@@ -2902,7 +2902,7 @@
             </a:lvl1pPr>
           </a:lstStyle>
           <a:p>
-            <a:fld id="{B25C42F9-774E-454E-8E2B-901805AEB6E8}" type="datetimeFigureOut">
+            <a:fld id="{DD138EAF-F5CB-4642-8432-8D3A4FABDC3A}" type="datetimeFigureOut">
               <a:rPr lang="zh-CN" altLang="en-US" smtClean="0"/>
               <a:t>2024/3/10</a:t>
             </a:fld>
@@ -2915,7 +2915,7 @@
           <p:cNvPr id="5" name="页脚占位符 4">
             <a:extLst>
               <a:ext uri="{FF2B5EF4-FFF2-40B4-BE49-F238E27FC236}">
-                <a16:creationId xmlns:a16="http://schemas.microsoft.com/office/drawing/2014/main" id="{DB7A16BC-55C2-FA95-E341-24B53819E1FF}"/>
+                <a16:creationId xmlns:a16="http://schemas.microsoft.com/office/drawing/2014/main" id="{23A03340-1B8B-D134-305C-AC6D21F88316}"/>
               </a:ext>
             </a:extLst>
           </p:cNvPr>
@@ -2958,7 +2958,7 @@
           <p:cNvPr id="6" name="灯片编号占位符 5">
             <a:extLst>
               <a:ext uri="{FF2B5EF4-FFF2-40B4-BE49-F238E27FC236}">
-                <a16:creationId xmlns:a16="http://schemas.microsoft.com/office/drawing/2014/main" id="{AC0BF718-3E3C-57B6-71F3-220825ECDBED}"/>
+                <a16:creationId xmlns:a16="http://schemas.microsoft.com/office/drawing/2014/main" id="{FF75869E-C6A1-9168-135C-98CAD989BEED}"/>
               </a:ext>
             </a:extLst>
           </p:cNvPr>
@@ -2992,7 +2992,7 @@
             </a:lvl1pPr>
           </a:lstStyle>
           <a:p>
-            <a:fld id="{8C5627C7-C7AB-43BC-9FAB-5DD0C928E15C}" type="slidenum">
+            <a:fld id="{1005EB57-9738-498E-9113-3B3177AFF4E2}" type="slidenum">
               <a:rPr lang="zh-CN" altLang="en-US" smtClean="0"/>
               <a:t>‹#›</a:t>
             </a:fld>
@@ -3003,7 +3003,7 @@
     </p:spTree>
     <p:extLst>
       <p:ext uri="{BB962C8B-B14F-4D97-AF65-F5344CB8AC3E}">
-        <p14:creationId xmlns:p14="http://schemas.microsoft.com/office/powerpoint/2010/main" val="4273640569"/>
+        <p14:creationId xmlns:p14="http://schemas.microsoft.com/office/powerpoint/2010/main" val="4189801547"/>
       </p:ext>
     </p:extLst>
   </p:cSld>
